--- a/supp/Publication/images/RawPPT/2023-TVC-PointCloudPerception.pptx
+++ b/supp/Publication/images/RawPPT/2023-TVC-PointCloudPerception.pptx
@@ -8,7 +8,7 @@
     <p:notesMasterId r:id="rId3"/>
   </p:notesMasterIdLst>
   <p:sldIdLst>
-    <p:sldId id="263" r:id="rId2"/>
+    <p:sldId id="264" r:id="rId2"/>
   </p:sldIdLst>
   <p:sldSz cx="12239625" cy="7199313"/>
   <p:notesSz cx="6858000" cy="9144000"/>
@@ -3328,10 +3328,10 @@
       </p:grpSpPr>
       <p:pic>
         <p:nvPicPr>
-          <p:cNvPr id="3" name="Picture 2" descr="A picture containing cake&#10;&#10;Description automatically generated">
+          <p:cNvPr id="4" name="图片 30" descr="snapshot06">
             <a:extLst>
               <a:ext uri="{FF2B5EF4-FFF2-40B4-BE49-F238E27FC236}">
-                <a16:creationId xmlns:a16="http://schemas.microsoft.com/office/drawing/2014/main" id="{992CD1FB-26FB-AB29-B96F-131BA1593C6B}"/>
+                <a16:creationId xmlns:a16="http://schemas.microsoft.com/office/drawing/2014/main" id="{C5BDDD8C-4E74-2F91-A89C-301EB42FD4AA}"/>
               </a:ext>
             </a:extLst>
           </p:cNvPr>
@@ -3341,14 +3341,8 @@
           <p:nvPr/>
         </p:nvPicPr>
         <p:blipFill rotWithShape="1">
-          <a:blip r:embed="rId2">
-            <a:extLst>
-              <a:ext uri="{28A0092B-C50C-407E-A947-70E740481C1C}">
-                <a14:useLocalDpi xmlns:a14="http://schemas.microsoft.com/office/drawing/2010/main" val="0"/>
-              </a:ext>
-            </a:extLst>
-          </a:blip>
-          <a:srcRect t="6340" b="6340"/>
+          <a:blip r:embed="rId2"/>
+          <a:srcRect t="6351" b="6351"/>
           <a:stretch/>
         </p:blipFill>
         <p:spPr>
@@ -3364,7 +3358,7 @@
     </p:spTree>
     <p:extLst>
       <p:ext uri="{BB962C8B-B14F-4D97-AF65-F5344CB8AC3E}">
-        <p14:creationId xmlns:p14="http://schemas.microsoft.com/office/powerpoint/2010/main" val="4294646869"/>
+        <p14:creationId xmlns:p14="http://schemas.microsoft.com/office/powerpoint/2010/main" val="3405801698"/>
       </p:ext>
     </p:extLst>
   </p:cSld>
